--- a/architecture.pptx
+++ b/architecture.pptx
@@ -263,7 +263,7 @@
           <a:p>
             <a:fld id="{C7635EFD-CC53-9B4E-AEF0-9A96E03C31DC}" type="datetimeFigureOut">
               <a:rPr lang="en-CM" smtClean="0"/>
-              <a:t>11/12/22</a:t>
+              <a:t>12/8/22</a:t>
             </a:fld>
             <a:endParaRPr lang="en-CM"/>
           </a:p>
@@ -463,7 +463,7 @@
           <a:p>
             <a:fld id="{C7635EFD-CC53-9B4E-AEF0-9A96E03C31DC}" type="datetimeFigureOut">
               <a:rPr lang="en-CM" smtClean="0"/>
-              <a:t>11/12/22</a:t>
+              <a:t>12/8/22</a:t>
             </a:fld>
             <a:endParaRPr lang="en-CM"/>
           </a:p>
@@ -673,7 +673,7 @@
           <a:p>
             <a:fld id="{C7635EFD-CC53-9B4E-AEF0-9A96E03C31DC}" type="datetimeFigureOut">
               <a:rPr lang="en-CM" smtClean="0"/>
-              <a:t>11/12/22</a:t>
+              <a:t>12/8/22</a:t>
             </a:fld>
             <a:endParaRPr lang="en-CM"/>
           </a:p>
@@ -873,7 +873,7 @@
           <a:p>
             <a:fld id="{C7635EFD-CC53-9B4E-AEF0-9A96E03C31DC}" type="datetimeFigureOut">
               <a:rPr lang="en-CM" smtClean="0"/>
-              <a:t>11/12/22</a:t>
+              <a:t>12/8/22</a:t>
             </a:fld>
             <a:endParaRPr lang="en-CM"/>
           </a:p>
@@ -1149,7 +1149,7 @@
           <a:p>
             <a:fld id="{C7635EFD-CC53-9B4E-AEF0-9A96E03C31DC}" type="datetimeFigureOut">
               <a:rPr lang="en-CM" smtClean="0"/>
-              <a:t>11/12/22</a:t>
+              <a:t>12/8/22</a:t>
             </a:fld>
             <a:endParaRPr lang="en-CM"/>
           </a:p>
@@ -1417,7 +1417,7 @@
           <a:p>
             <a:fld id="{C7635EFD-CC53-9B4E-AEF0-9A96E03C31DC}" type="datetimeFigureOut">
               <a:rPr lang="en-CM" smtClean="0"/>
-              <a:t>11/12/22</a:t>
+              <a:t>12/8/22</a:t>
             </a:fld>
             <a:endParaRPr lang="en-CM"/>
           </a:p>
@@ -1832,7 +1832,7 @@
           <a:p>
             <a:fld id="{C7635EFD-CC53-9B4E-AEF0-9A96E03C31DC}" type="datetimeFigureOut">
               <a:rPr lang="en-CM" smtClean="0"/>
-              <a:t>11/12/22</a:t>
+              <a:t>12/8/22</a:t>
             </a:fld>
             <a:endParaRPr lang="en-CM"/>
           </a:p>
@@ -1974,7 +1974,7 @@
           <a:p>
             <a:fld id="{C7635EFD-CC53-9B4E-AEF0-9A96E03C31DC}" type="datetimeFigureOut">
               <a:rPr lang="en-CM" smtClean="0"/>
-              <a:t>11/12/22</a:t>
+              <a:t>12/8/22</a:t>
             </a:fld>
             <a:endParaRPr lang="en-CM"/>
           </a:p>
@@ -2087,7 +2087,7 @@
           <a:p>
             <a:fld id="{C7635EFD-CC53-9B4E-AEF0-9A96E03C31DC}" type="datetimeFigureOut">
               <a:rPr lang="en-CM" smtClean="0"/>
-              <a:t>11/12/22</a:t>
+              <a:t>12/8/22</a:t>
             </a:fld>
             <a:endParaRPr lang="en-CM"/>
           </a:p>
@@ -2400,7 +2400,7 @@
           <a:p>
             <a:fld id="{C7635EFD-CC53-9B4E-AEF0-9A96E03C31DC}" type="datetimeFigureOut">
               <a:rPr lang="en-CM" smtClean="0"/>
-              <a:t>11/12/22</a:t>
+              <a:t>12/8/22</a:t>
             </a:fld>
             <a:endParaRPr lang="en-CM"/>
           </a:p>
@@ -2689,7 +2689,7 @@
           <a:p>
             <a:fld id="{C7635EFD-CC53-9B4E-AEF0-9A96E03C31DC}" type="datetimeFigureOut">
               <a:rPr lang="en-CM" smtClean="0"/>
-              <a:t>11/12/22</a:t>
+              <a:t>12/8/22</a:t>
             </a:fld>
             <a:endParaRPr lang="en-CM"/>
           </a:p>
@@ -2932,7 +2932,7 @@
           <a:p>
             <a:fld id="{C7635EFD-CC53-9B4E-AEF0-9A96E03C31DC}" type="datetimeFigureOut">
               <a:rPr lang="en-CM" smtClean="0"/>
-              <a:t>11/12/22</a:t>
+              <a:t>12/8/22</a:t>
             </a:fld>
             <a:endParaRPr lang="en-CM"/>
           </a:p>
@@ -3481,7 +3481,7 @@
         </p:blipFill>
         <p:spPr bwMode="auto">
           <a:xfrm>
-            <a:off x="130629" y="118754"/>
+            <a:off x="228152" y="1428133"/>
             <a:ext cx="330200" cy="330200"/>
           </a:xfrm>
           <a:prstGeom prst="rect">
@@ -3526,8 +3526,8 @@
         </p:nvSpPr>
         <p:spPr>
           <a:xfrm>
-            <a:off x="130629" y="118754"/>
-            <a:ext cx="11930742" cy="6620492"/>
+            <a:off x="209652" y="1438244"/>
+            <a:ext cx="11930742" cy="5301001"/>
           </a:xfrm>
           <a:prstGeom prst="rect">
             <a:avLst/>
@@ -3595,8 +3595,8 @@
         </p:nvSpPr>
         <p:spPr>
           <a:xfrm>
-            <a:off x="460830" y="2006933"/>
-            <a:ext cx="6323030" cy="4595748"/>
+            <a:off x="1548708" y="2006933"/>
+            <a:ext cx="5235152" cy="4595748"/>
           </a:xfrm>
           <a:prstGeom prst="rect">
             <a:avLst/>
@@ -4161,7 +4161,7 @@
         </p:nvSpPr>
         <p:spPr bwMode="auto">
           <a:xfrm>
-            <a:off x="6896189" y="1388748"/>
+            <a:off x="6896635" y="2168264"/>
             <a:ext cx="1234765" cy="430887"/>
           </a:xfrm>
           <a:prstGeom prst="rect">
@@ -4395,7 +4395,7 @@
         </p:blipFill>
         <p:spPr bwMode="auto">
           <a:xfrm rot="16200000">
-            <a:off x="773901" y="4088033"/>
+            <a:off x="639175" y="5118025"/>
             <a:ext cx="476398" cy="470718"/>
           </a:xfrm>
           <a:prstGeom prst="rect">
@@ -4441,8 +4441,8 @@
           <p:nvPr/>
         </p:nvSpPr>
         <p:spPr bwMode="auto">
-          <a:xfrm rot="16200000">
-            <a:off x="774803" y="4132135"/>
+          <a:xfrm>
+            <a:off x="200885" y="5611430"/>
             <a:ext cx="1309137" cy="461665"/>
           </a:xfrm>
           <a:prstGeom prst="rect">
@@ -4691,7 +4691,7 @@
         </p:blipFill>
         <p:spPr bwMode="auto">
           <a:xfrm>
-            <a:off x="4003990" y="1080120"/>
+            <a:off x="2073588" y="831762"/>
             <a:ext cx="469900" cy="469900"/>
           </a:xfrm>
           <a:prstGeom prst="rect">
@@ -4751,7 +4751,7 @@
         </p:blipFill>
         <p:spPr bwMode="auto">
           <a:xfrm>
-            <a:off x="4063800" y="163578"/>
+            <a:off x="2096323" y="131328"/>
             <a:ext cx="424429" cy="424429"/>
           </a:xfrm>
           <a:prstGeom prst="rect">
@@ -4811,7 +4811,7 @@
         </p:blipFill>
         <p:spPr bwMode="auto">
           <a:xfrm>
-            <a:off x="2980813" y="191697"/>
+            <a:off x="1084278" y="191697"/>
             <a:ext cx="469900" cy="469900"/>
           </a:xfrm>
           <a:prstGeom prst="rect">
@@ -4858,7 +4858,7 @@
         </p:nvSpPr>
         <p:spPr bwMode="auto">
           <a:xfrm>
-            <a:off x="2679188" y="631487"/>
+            <a:off x="782653" y="631487"/>
             <a:ext cx="1073150" cy="261610"/>
           </a:xfrm>
           <a:prstGeom prst="rect">
@@ -5184,7 +5184,7 @@
         </p:nvSpPr>
         <p:spPr bwMode="auto">
           <a:xfrm>
-            <a:off x="3752338" y="1433592"/>
+            <a:off x="1855803" y="1196523"/>
             <a:ext cx="951690" cy="261610"/>
           </a:xfrm>
           <a:prstGeom prst="rect">
@@ -5331,169 +5331,6 @@
           </a:p>
         </p:txBody>
       </p:sp>
-      <p:sp>
-        <p:nvSpPr>
-          <p:cNvPr id="36" name="TextBox 32">
-            <a:extLst>
-              <a:ext uri="{FF2B5EF4-FFF2-40B4-BE49-F238E27FC236}">
-                <a16:creationId xmlns:a16="http://schemas.microsoft.com/office/drawing/2014/main" id="{B0E4C6FA-B160-0549-AC2E-FD2C898AAEFB}"/>
-              </a:ext>
-            </a:extLst>
-          </p:cNvPr>
-          <p:cNvSpPr txBox="1">
-            <a:spLocks noChangeArrowheads="1"/>
-          </p:cNvSpPr>
-          <p:nvPr/>
-        </p:nvSpPr>
-        <p:spPr bwMode="auto">
-          <a:xfrm>
-            <a:off x="3762175" y="559152"/>
-            <a:ext cx="1028683" cy="261610"/>
-          </a:xfrm>
-          <a:prstGeom prst="rect">
-            <a:avLst/>
-          </a:prstGeom>
-          <a:noFill/>
-          <a:ln>
-            <a:noFill/>
-          </a:ln>
-          <a:extLst>
-            <a:ext uri="{909E8E84-426E-40DD-AFC4-6F175D3DCCD1}">
-              <a14:hiddenFill xmlns:a14="http://schemas.microsoft.com/office/drawing/2010/main">
-                <a:solidFill>
-                  <a:srgbClr val="FFFFFF"/>
-                </a:solidFill>
-              </a14:hiddenFill>
-            </a:ext>
-            <a:ext uri="{91240B29-F687-4F45-9708-019B960494DF}">
-              <a14:hiddenLine xmlns:a14="http://schemas.microsoft.com/office/drawing/2010/main" w="9525">
-                <a:solidFill>
-                  <a:srgbClr val="000000"/>
-                </a:solidFill>
-                <a:miter lim="800000"/>
-                <a:headEnd/>
-                <a:tailEnd/>
-              </a14:hiddenLine>
-            </a:ext>
-          </a:extLst>
-        </p:spPr>
-        <p:txBody>
-          <a:bodyPr wrap="square">
-            <a:spAutoFit/>
-          </a:bodyPr>
-          <a:lstStyle>
-            <a:lvl1pPr>
-              <a:defRPr>
-                <a:solidFill>
-                  <a:schemeClr val="tx1"/>
-                </a:solidFill>
-                <a:latin typeface="Calibri" panose="020F0502020204030204" pitchFamily="34" charset="0"/>
-              </a:defRPr>
-            </a:lvl1pPr>
-            <a:lvl2pPr marL="742950" indent="-285750">
-              <a:defRPr>
-                <a:solidFill>
-                  <a:schemeClr val="tx1"/>
-                </a:solidFill>
-                <a:latin typeface="Calibri" panose="020F0502020204030204" pitchFamily="34" charset="0"/>
-              </a:defRPr>
-            </a:lvl2pPr>
-            <a:lvl3pPr marL="1143000" indent="-228600">
-              <a:defRPr>
-                <a:solidFill>
-                  <a:schemeClr val="tx1"/>
-                </a:solidFill>
-                <a:latin typeface="Calibri" panose="020F0502020204030204" pitchFamily="34" charset="0"/>
-              </a:defRPr>
-            </a:lvl3pPr>
-            <a:lvl4pPr marL="1600200" indent="-228600">
-              <a:defRPr>
-                <a:solidFill>
-                  <a:schemeClr val="tx1"/>
-                </a:solidFill>
-                <a:latin typeface="Calibri" panose="020F0502020204030204" pitchFamily="34" charset="0"/>
-              </a:defRPr>
-            </a:lvl4pPr>
-            <a:lvl5pPr marL="2057400" indent="-228600">
-              <a:defRPr>
-                <a:solidFill>
-                  <a:schemeClr val="tx1"/>
-                </a:solidFill>
-                <a:latin typeface="Calibri" panose="020F0502020204030204" pitchFamily="34" charset="0"/>
-              </a:defRPr>
-            </a:lvl5pPr>
-            <a:lvl6pPr marL="2514600" indent="-228600" eaLnBrk="0" fontAlgn="base" hangingPunct="0">
-              <a:spcBef>
-                <a:spcPct val="0"/>
-              </a:spcBef>
-              <a:spcAft>
-                <a:spcPct val="0"/>
-              </a:spcAft>
-              <a:defRPr>
-                <a:solidFill>
-                  <a:schemeClr val="tx1"/>
-                </a:solidFill>
-                <a:latin typeface="Calibri" panose="020F0502020204030204" pitchFamily="34" charset="0"/>
-              </a:defRPr>
-            </a:lvl6pPr>
-            <a:lvl7pPr marL="2971800" indent="-228600" eaLnBrk="0" fontAlgn="base" hangingPunct="0">
-              <a:spcBef>
-                <a:spcPct val="0"/>
-              </a:spcBef>
-              <a:spcAft>
-                <a:spcPct val="0"/>
-              </a:spcAft>
-              <a:defRPr>
-                <a:solidFill>
-                  <a:schemeClr val="tx1"/>
-                </a:solidFill>
-                <a:latin typeface="Calibri" panose="020F0502020204030204" pitchFamily="34" charset="0"/>
-              </a:defRPr>
-            </a:lvl7pPr>
-            <a:lvl8pPr marL="3429000" indent="-228600" eaLnBrk="0" fontAlgn="base" hangingPunct="0">
-              <a:spcBef>
-                <a:spcPct val="0"/>
-              </a:spcBef>
-              <a:spcAft>
-                <a:spcPct val="0"/>
-              </a:spcAft>
-              <a:defRPr>
-                <a:solidFill>
-                  <a:schemeClr val="tx1"/>
-                </a:solidFill>
-                <a:latin typeface="Calibri" panose="020F0502020204030204" pitchFamily="34" charset="0"/>
-              </a:defRPr>
-            </a:lvl8pPr>
-            <a:lvl9pPr marL="3886200" indent="-228600" eaLnBrk="0" fontAlgn="base" hangingPunct="0">
-              <a:spcBef>
-                <a:spcPct val="0"/>
-              </a:spcBef>
-              <a:spcAft>
-                <a:spcPct val="0"/>
-              </a:spcAft>
-              <a:defRPr>
-                <a:solidFill>
-                  <a:schemeClr val="tx1"/>
-                </a:solidFill>
-                <a:latin typeface="Calibri" panose="020F0502020204030204" pitchFamily="34" charset="0"/>
-              </a:defRPr>
-            </a:lvl9pPr>
-          </a:lstStyle>
-          <a:p>
-            <a:pPr algn="ctr" eaLnBrk="1" hangingPunct="1"/>
-            <a:r>
-              <a:rPr lang="en-US" altLang="en-US" sz="1100" dirty="0">
-                <a:solidFill>
-                  <a:srgbClr val="000000"/>
-                </a:solidFill>
-                <a:latin typeface="Arial" panose="020B0604020202020204" pitchFamily="34" charset="0"/>
-                <a:cs typeface="Arial" panose="020B0604020202020204" pitchFamily="34" charset="0"/>
-              </a:rPr>
-              <a:t>Client</a:t>
-            </a:r>
-          </a:p>
-        </p:txBody>
-      </p:sp>
       <p:pic>
         <p:nvPicPr>
           <p:cNvPr id="37" name="Graphic 24">
@@ -5523,7 +5360,7 @@
         </p:blipFill>
         <p:spPr bwMode="auto">
           <a:xfrm>
-            <a:off x="5081181" y="191697"/>
+            <a:off x="3049178" y="191697"/>
             <a:ext cx="469900" cy="469900"/>
           </a:xfrm>
           <a:prstGeom prst="rect">
@@ -5570,7 +5407,7 @@
         </p:nvSpPr>
         <p:spPr bwMode="auto">
           <a:xfrm>
-            <a:off x="4790858" y="660222"/>
+            <a:off x="2735265" y="622383"/>
             <a:ext cx="1073150" cy="261610"/>
           </a:xfrm>
           <a:prstGeom prst="rect">
@@ -5728,13 +5565,14 @@
           </p:cNvPr>
           <p:cNvCxnSpPr>
             <a:cxnSpLocks/>
+            <a:endCxn id="30" idx="1"/>
           </p:cNvCxnSpPr>
           <p:nvPr/>
         </p:nvCxnSpPr>
         <p:spPr>
           <a:xfrm>
-            <a:off x="3413991" y="651318"/>
-            <a:ext cx="568187" cy="616160"/>
+            <a:off x="1584363" y="693056"/>
+            <a:ext cx="489225" cy="373656"/>
           </a:xfrm>
           <a:prstGeom prst="straightConnector1">
             <a:avLst/>
@@ -5773,13 +5611,14 @@
           </p:cNvPr>
           <p:cNvCxnSpPr>
             <a:cxnSpLocks/>
+            <a:stCxn id="30" idx="3"/>
           </p:cNvCxnSpPr>
           <p:nvPr/>
         </p:nvCxnSpPr>
         <p:spPr>
           <a:xfrm flipV="1">
-            <a:off x="4473890" y="620252"/>
-            <a:ext cx="612950" cy="645641"/>
+            <a:off x="2543488" y="647723"/>
+            <a:ext cx="452734" cy="418989"/>
           </a:xfrm>
           <a:prstGeom prst="straightConnector1">
             <a:avLst/>
@@ -6056,7 +5895,7 @@
         </p:blipFill>
         <p:spPr bwMode="auto">
           <a:xfrm>
-            <a:off x="470481" y="2006933"/>
+            <a:off x="1554178" y="2020225"/>
             <a:ext cx="330200" cy="330200"/>
           </a:xfrm>
           <a:prstGeom prst="rect">
@@ -6098,13 +5937,14 @@
           </p:cNvPr>
           <p:cNvCxnSpPr>
             <a:cxnSpLocks/>
+            <a:endCxn id="30" idx="0"/>
           </p:cNvCxnSpPr>
           <p:nvPr/>
         </p:nvCxnSpPr>
         <p:spPr>
           <a:xfrm>
-            <a:off x="4238940" y="782639"/>
-            <a:ext cx="0" cy="339095"/>
+            <a:off x="2308537" y="566760"/>
+            <a:ext cx="1" cy="265002"/>
           </a:xfrm>
           <a:prstGeom prst="straightConnector1">
             <a:avLst/>
@@ -6148,8 +5988,8 @@
         </p:nvCxnSpPr>
         <p:spPr>
           <a:xfrm>
-            <a:off x="308919" y="1438578"/>
-            <a:ext cx="3596509" cy="5041"/>
+            <a:off x="112088" y="1123353"/>
+            <a:ext cx="1753552" cy="6769"/>
           </a:xfrm>
           <a:prstGeom prst="straightConnector1">
             <a:avLst/>
@@ -6193,8 +6033,8 @@
         </p:nvCxnSpPr>
         <p:spPr>
           <a:xfrm>
-            <a:off x="308919" y="1433592"/>
-            <a:ext cx="0" cy="2892995"/>
+            <a:off x="112088" y="1130122"/>
+            <a:ext cx="4918" cy="3196465"/>
           </a:xfrm>
           <a:prstGeom prst="straightConnector1">
             <a:avLst/>
@@ -6233,13 +6073,14 @@
           </p:cNvPr>
           <p:cNvCxnSpPr>
             <a:cxnSpLocks/>
+            <a:stCxn id="127" idx="1"/>
           </p:cNvCxnSpPr>
           <p:nvPr/>
         </p:nvCxnSpPr>
         <p:spPr>
-          <a:xfrm flipH="1">
-            <a:off x="289218" y="4326587"/>
-            <a:ext cx="501811" cy="0"/>
+          <a:xfrm flipH="1" flipV="1">
+            <a:off x="117006" y="4326588"/>
+            <a:ext cx="1600044" cy="17628"/>
           </a:xfrm>
           <a:prstGeom prst="straightConnector1">
             <a:avLst/>
